--- a/Marvel Favorites.pptx
+++ b/Marvel Favorites.pptx
@@ -232,7 +232,7 @@
           <a:p>
             <a:fld id="{4954C6E1-AF92-4FB7-A013-0B520EBC30AE}" type="datetimeFigureOut">
               <a:rPr lang="en-US"/>
-              <a:t>11/16/2016</a:t>
+              <a:t>11/17/2016</a:t>
             </a:fld>
             <a:endParaRPr/>
           </a:p>
@@ -397,7 +397,7 @@
           <a:p>
             <a:fld id="{95C10850-0874-4A61-99B4-D613C5E8D9EA}" type="datetimeFigureOut">
               <a:rPr lang="en-US"/>
-              <a:t>11/16/2016</a:t>
+              <a:t>11/17/2016</a:t>
             </a:fld>
             <a:endParaRPr/>
           </a:p>
@@ -1812,7 +1812,7 @@
           <a:p>
             <a:fld id="{3B9B9059-F1D6-41D0-95CF-D21CAA096B3A}" type="datetimeFigureOut">
               <a:rPr lang="en-US"/>
-              <a:t>11/16/2016</a:t>
+              <a:t>11/17/2016</a:t>
             </a:fld>
             <a:endParaRPr/>
           </a:p>
@@ -2015,7 +2015,7 @@
           <a:p>
             <a:fld id="{3B9B9059-F1D6-41D0-95CF-D21CAA096B3A}" type="datetimeFigureOut">
               <a:rPr lang="en-US"/>
-              <a:t>11/16/2016</a:t>
+              <a:t>11/17/2016</a:t>
             </a:fld>
             <a:endParaRPr/>
           </a:p>
@@ -2208,7 +2208,7 @@
           <a:p>
             <a:fld id="{3B9B9059-F1D6-41D0-95CF-D21CAA096B3A}" type="datetimeFigureOut">
               <a:rPr lang="en-US"/>
-              <a:t>11/16/2016</a:t>
+              <a:t>11/17/2016</a:t>
             </a:fld>
             <a:endParaRPr/>
           </a:p>
@@ -2954,7 +2954,7 @@
           <a:p>
             <a:fld id="{3B9B9059-F1D6-41D0-95CF-D21CAA096B3A}" type="datetimeFigureOut">
               <a:rPr lang="en-US"/>
-              <a:t>11/16/2016</a:t>
+              <a:t>11/17/2016</a:t>
             </a:fld>
             <a:endParaRPr/>
           </a:p>
@@ -3253,7 +3253,7 @@
           <a:p>
             <a:fld id="{3B9B9059-F1D6-41D0-95CF-D21CAA096B3A}" type="datetimeFigureOut">
               <a:rPr lang="en-US"/>
-              <a:t>11/16/2016</a:t>
+              <a:t>11/17/2016</a:t>
             </a:fld>
             <a:endParaRPr/>
           </a:p>
@@ -3710,7 +3710,7 @@
           <a:p>
             <a:fld id="{3B9B9059-F1D6-41D0-95CF-D21CAA096B3A}" type="datetimeFigureOut">
               <a:rPr lang="en-US"/>
-              <a:t>11/16/2016</a:t>
+              <a:t>11/17/2016</a:t>
             </a:fld>
             <a:endParaRPr/>
           </a:p>
@@ -3835,7 +3835,7 @@
           <a:p>
             <a:fld id="{3B9B9059-F1D6-41D0-95CF-D21CAA096B3A}" type="datetimeFigureOut">
               <a:rPr lang="en-US"/>
-              <a:t>11/16/2016</a:t>
+              <a:t>11/17/2016</a:t>
             </a:fld>
             <a:endParaRPr/>
           </a:p>
@@ -5138,7 +5138,7 @@
             <a:fld id="{3B9B9059-F1D6-41D0-95CF-D21CAA096B3A}" type="datetimeFigureOut">
               <a:rPr lang="en-US"/>
               <a:pPr/>
-              <a:t>11/16/2016</a:t>
+              <a:t>11/17/2016</a:t>
             </a:fld>
             <a:endParaRPr/>
           </a:p>
@@ -5974,13 +5974,32 @@
           <a:p>
             <a:r>
               <a:rPr lang="en-US" dirty="0" smtClean="0"/>
-              <a:t>Libraries: jQuery, Bootstrap</a:t>
-            </a:r>
+              <a:t>Libraries: jQuery, </a:t>
+            </a:r>
+            <a:r>
+              <a:rPr lang="en-US" dirty="0" smtClean="0"/>
+              <a:t>Bootstrap, Font Awesome</a:t>
+            </a:r>
+            <a:endParaRPr lang="en-US" dirty="0" smtClean="0"/>
           </a:p>
           <a:p>
             <a:r>
               <a:rPr lang="en-US" dirty="0" smtClean="0"/>
               <a:t>APIs: Firebase, Marvel, OMDB</a:t>
+            </a:r>
+          </a:p>
+          <a:p>
+            <a:r>
+              <a:rPr lang="en-US" dirty="0" smtClean="0"/>
+              <a:t>Tools: </a:t>
+            </a:r>
+            <a:r>
+              <a:rPr lang="en-US" dirty="0" err="1" smtClean="0"/>
+              <a:t>Git</a:t>
+            </a:r>
+            <a:r>
+              <a:rPr lang="en-US" dirty="0" smtClean="0"/>
+              <a:t> Bash GitHub, Sublime, Slack</a:t>
             </a:r>
           </a:p>
           <a:p>
@@ -8583,15 +8602,15 @@
 <file path=customXml/itemProps1.xml><?xml version="1.0" encoding="utf-8"?>
 <ds:datastoreItem xmlns:ds="http://schemas.openxmlformats.org/officeDocument/2006/customXml" ds:itemID="{45076977-ECB7-44C2-A70D-853BB6B41242}">
   <ds:schemaRefs>
+    <ds:schemaRef ds:uri="http://schemas.openxmlformats.org/package/2006/metadata/core-properties"/>
     <ds:schemaRef ds:uri="http://purl.org/dc/elements/1.1/"/>
+    <ds:schemaRef ds:uri="http://schemas.microsoft.com/office/infopath/2007/PartnerControls"/>
+    <ds:schemaRef ds:uri="http://purl.org/dc/dcmitype/"/>
+    <ds:schemaRef ds:uri="http://purl.org/dc/terms/"/>
     <ds:schemaRef ds:uri="http://schemas.microsoft.com/office/2006/metadata/properties"/>
+    <ds:schemaRef ds:uri="http://schemas.microsoft.com/office/2006/documentManagement/types"/>
     <ds:schemaRef ds:uri="4873beb7-5857-4685-be1f-d57550cc96cc"/>
-    <ds:schemaRef ds:uri="http://schemas.openxmlformats.org/package/2006/metadata/core-properties"/>
-    <ds:schemaRef ds:uri="http://purl.org/dc/terms/"/>
-    <ds:schemaRef ds:uri="http://schemas.microsoft.com/office/infopath/2007/PartnerControls"/>
-    <ds:schemaRef ds:uri="http://schemas.microsoft.com/office/2006/documentManagement/types"/>
     <ds:schemaRef ds:uri="http://www.w3.org/XML/1998/namespace"/>
-    <ds:schemaRef ds:uri="http://purl.org/dc/dcmitype/"/>
   </ds:schemaRefs>
 </ds:datastoreItem>
 </file>
